--- a/GU2225  Final Poster_Jordan Amann.pptx
+++ b/GU2225  Final Poster_Jordan Amann.pptx
@@ -7852,7 +7852,7 @@
                 <a:latin typeface="Calibri" panose="020F0502020204030204" pitchFamily="34" charset="0"/>
                 <a:cs typeface="Calibri" panose="020F0502020204030204" pitchFamily="34" charset="0"/>
               </a:rPr>
-              <a:t>This study aims to assess the reliability and validity of the NHS’s items that focus on disaster preparedness affinity as a single scale. Internal consistency, factor structure, criterion validity, and construct validity will be assessed. The study will also assess the validity of the four identified factors of preparedness affinity (awareness, experience, efficacy, and risk).</a:t>
+              <a:t>This study aims to assess the reliability and validity of the NHS’s items that focus on disaster preparedness affinity as a single scale. Internal consistency, factor structure, criterion validity, and construct validity will be assessed. The study will also assess the validity of the four identified factors of preparedness affinity (awareness, experience, efficacy, and risk) through exploratory factor analysis. </a:t>
             </a:r>
             <a:endParaRPr lang="en-US" sz="1200" dirty="0">
               <a:solidFill>
